--- a/CPSC-24700/Presentations/session-07.pptx
+++ b/CPSC-24700/Presentations/session-07.pptx
@@ -4395,7 +4395,7 @@
             </a:pPr>
             <a:r>
               <a:rPr lang="en-US" sz="2000" dirty="0"/>
-              <a:t>Friendly Conversation &amp; Good Natured Banter…  Jimmy</a:t>
+              <a:t>Friendly Conversation &amp; Good Natured Banter…  Jimmy?</a:t>
             </a:r>
           </a:p>
           <a:p>
